--- a/program2.pptx
+++ b/program2.pptx
@@ -8092,7 +8092,7 @@
         <p:spPr>
           <a:xfrm>
             <a:off x="2231622" y="4560072"/>
-            <a:ext cx="5449168" cy="2928620"/>
+            <a:ext cx="5449168" cy="3295015"/>
           </a:xfrm>
           <a:prstGeom prst="rect">
             <a:avLst/>
@@ -8187,7 +8187,7 @@
                 <a:cs typeface="思源黑体 1" panose="020B0500000000000000" charset="-122"/>
                 <a:sym typeface="思源黑体 1" panose="020B0500000000000000" charset="-122"/>
               </a:rPr>
-              <a:t> https://www.kaggle.com/datasets/heesoo37/120-years-of-olympic-history-athletes-and-results/</a:t>
+              <a:t>https://github.com/rfordatascience/tidytuesday/tree/2500765853ea5235409d936cf9bbbf7d5f8b6881/data/2024/2024-08-06</a:t>
             </a:r>
             <a:endParaRPr lang="en-US" altLang="zh-CN" sz="1700">
               <a:solidFill>
